--- a/SuSS/ANL252_Python_4_Biz/3_Lecturer/Lecture_3/ANL252_SU3_Jul2021 (MK edits).pptx
+++ b/SuSS/ANL252_Python_4_Biz/3_Lecturer/Lecture_3/ANL252_SU3_Jul2021 (MK edits).pptx
@@ -7881,7 +7881,7 @@
           <p:cNvPr id="6" name="Title 1">
             <a:extLst>
               <a:ext uri="{FF2B5EF4-FFF2-40B4-BE49-F238E27FC236}">
-                <a16:creationId xmlns:a16="http://schemas.microsoft.com/office/drawing/2014/main" xmlns="" id="{68CF854E-20CB-4ED7-8722-FCA536D762F6}"/>
+                <a16:creationId xmlns:a16="http://schemas.microsoft.com/office/drawing/2014/main" id="{68CF854E-20CB-4ED7-8722-FCA536D762F6}"/>
               </a:ext>
             </a:extLst>
           </p:cNvPr>
@@ -7922,7 +7922,7 @@
           <p:cNvPr id="9" name="Picture 8" descr="holding device-02.png">
             <a:extLst>
               <a:ext uri="{FF2B5EF4-FFF2-40B4-BE49-F238E27FC236}">
-                <a16:creationId xmlns:a16="http://schemas.microsoft.com/office/drawing/2014/main" xmlns="" id="{AA410A6D-8E37-40A0-B8CC-1C962083824E}"/>
+                <a16:creationId xmlns:a16="http://schemas.microsoft.com/office/drawing/2014/main" id="{AA410A6D-8E37-40A0-B8CC-1C962083824E}"/>
               </a:ext>
             </a:extLst>
           </p:cNvPr>
@@ -7957,7 +7957,7 @@
           <p:cNvPr id="10" name="Subtitle 2">
             <a:extLst>
               <a:ext uri="{FF2B5EF4-FFF2-40B4-BE49-F238E27FC236}">
-                <a16:creationId xmlns:a16="http://schemas.microsoft.com/office/drawing/2014/main" xmlns="" id="{2BD45AE7-ECF6-4289-BFAE-B988AB3AD28C}"/>
+                <a16:creationId xmlns:a16="http://schemas.microsoft.com/office/drawing/2014/main" id="{2BD45AE7-ECF6-4289-BFAE-B988AB3AD28C}"/>
               </a:ext>
             </a:extLst>
           </p:cNvPr>
@@ -8081,7 +8081,7 @@
           <p:cNvPr id="5" name="TextBox 2">
             <a:extLst>
               <a:ext uri="{FF2B5EF4-FFF2-40B4-BE49-F238E27FC236}">
-                <a16:creationId xmlns:a16="http://schemas.microsoft.com/office/drawing/2014/main" xmlns="" id="{F1E37139-96F0-452A-889E-7BC6FD1F677F}"/>
+                <a16:creationId xmlns:a16="http://schemas.microsoft.com/office/drawing/2014/main" id="{F1E37139-96F0-452A-889E-7BC6FD1F677F}"/>
               </a:ext>
             </a:extLst>
           </p:cNvPr>
@@ -11171,7 +11171,7 @@
           <p:cNvPr id="7" name="Picture 6" descr="holding device-02.png">
             <a:extLst>
               <a:ext uri="{FF2B5EF4-FFF2-40B4-BE49-F238E27FC236}">
-                <a16:creationId xmlns:a16="http://schemas.microsoft.com/office/drawing/2014/main" xmlns="" id="{77683DCF-304F-4543-AC23-5629F576D64C}"/>
+                <a16:creationId xmlns:a16="http://schemas.microsoft.com/office/drawing/2014/main" id="{77683DCF-304F-4543-AC23-5629F576D64C}"/>
               </a:ext>
             </a:extLst>
           </p:cNvPr>
@@ -11206,7 +11206,7 @@
           <p:cNvPr id="8" name="Subtitle 2">
             <a:extLst>
               <a:ext uri="{FF2B5EF4-FFF2-40B4-BE49-F238E27FC236}">
-                <a16:creationId xmlns:a16="http://schemas.microsoft.com/office/drawing/2014/main" xmlns="" id="{E17BF815-5C07-4BFA-9409-344E12682DF8}"/>
+                <a16:creationId xmlns:a16="http://schemas.microsoft.com/office/drawing/2014/main" id="{E17BF815-5C07-4BFA-9409-344E12682DF8}"/>
               </a:ext>
             </a:extLst>
           </p:cNvPr>
@@ -11330,7 +11330,7 @@
           <p:cNvPr id="6" name="TextBox 2">
             <a:extLst>
               <a:ext uri="{FF2B5EF4-FFF2-40B4-BE49-F238E27FC236}">
-                <a16:creationId xmlns:a16="http://schemas.microsoft.com/office/drawing/2014/main" xmlns="" id="{F1E37139-96F0-452A-889E-7BC6FD1F677F}"/>
+                <a16:creationId xmlns:a16="http://schemas.microsoft.com/office/drawing/2014/main" id="{F1E37139-96F0-452A-889E-7BC6FD1F677F}"/>
               </a:ext>
             </a:extLst>
           </p:cNvPr>
@@ -11474,7 +11474,7 @@
           <p:cNvPr id="10" name="Title 1">
             <a:extLst>
               <a:ext uri="{FF2B5EF4-FFF2-40B4-BE49-F238E27FC236}">
-                <a16:creationId xmlns:a16="http://schemas.microsoft.com/office/drawing/2014/main" xmlns="" id="{1284F7DF-06C9-41D2-A59B-0E6E64EB6CE4}"/>
+                <a16:creationId xmlns:a16="http://schemas.microsoft.com/office/drawing/2014/main" id="{1284F7DF-06C9-41D2-A59B-0E6E64EB6CE4}"/>
               </a:ext>
             </a:extLst>
           </p:cNvPr>
@@ -13721,7 +13721,7 @@
           <a:p>
             <a:pPr defTabSz="457200"/>
             <a:r>
-              <a:rPr lang="en-US" smtClean="0"/>
+              <a:rPr lang="en-US"/>
               <a:t>suss.edu.sg</a:t>
             </a:r>
             <a:endParaRPr lang="en-US" dirty="0"/>
@@ -14139,7 +14139,7 @@
           <p:cNvPr id="6" name="Picture 5" descr="holding device-02.png">
             <a:extLst>
               <a:ext uri="{FF2B5EF4-FFF2-40B4-BE49-F238E27FC236}">
-                <a16:creationId xmlns:a16="http://schemas.microsoft.com/office/drawing/2014/main" xmlns="" id="{40570172-6531-4623-94F6-969DC93D5C82}"/>
+                <a16:creationId xmlns:a16="http://schemas.microsoft.com/office/drawing/2014/main" id="{40570172-6531-4623-94F6-969DC93D5C82}"/>
               </a:ext>
             </a:extLst>
           </p:cNvPr>
@@ -14174,7 +14174,7 @@
           <p:cNvPr id="7" name="Subtitle 2">
             <a:extLst>
               <a:ext uri="{FF2B5EF4-FFF2-40B4-BE49-F238E27FC236}">
-                <a16:creationId xmlns:a16="http://schemas.microsoft.com/office/drawing/2014/main" xmlns="" id="{6DCAD2DA-B888-43BF-AF5D-2273C167D24A}"/>
+                <a16:creationId xmlns:a16="http://schemas.microsoft.com/office/drawing/2014/main" id="{6DCAD2DA-B888-43BF-AF5D-2273C167D24A}"/>
               </a:ext>
             </a:extLst>
           </p:cNvPr>
@@ -14298,7 +14298,7 @@
           <p:cNvPr id="9" name="Title 1">
             <a:extLst>
               <a:ext uri="{FF2B5EF4-FFF2-40B4-BE49-F238E27FC236}">
-                <a16:creationId xmlns:a16="http://schemas.microsoft.com/office/drawing/2014/main" xmlns="" id="{E3CD5D55-1099-4159-9CFD-0106588C1C5A}"/>
+                <a16:creationId xmlns:a16="http://schemas.microsoft.com/office/drawing/2014/main" id="{E3CD5D55-1099-4159-9CFD-0106588C1C5A}"/>
               </a:ext>
             </a:extLst>
           </p:cNvPr>
@@ -14367,7 +14367,7 @@
           <p:cNvPr id="8" name="Picture 7" descr="holding device-02.png">
             <a:extLst>
               <a:ext uri="{FF2B5EF4-FFF2-40B4-BE49-F238E27FC236}">
-                <a16:creationId xmlns:a16="http://schemas.microsoft.com/office/drawing/2014/main" xmlns="" id="{DC58F275-C00E-4C38-8E85-7D10AB5BC611}"/>
+                <a16:creationId xmlns:a16="http://schemas.microsoft.com/office/drawing/2014/main" id="{DC58F275-C00E-4C38-8E85-7D10AB5BC611}"/>
               </a:ext>
             </a:extLst>
           </p:cNvPr>
@@ -14402,7 +14402,7 @@
           <p:cNvPr id="9" name="Subtitle 2">
             <a:extLst>
               <a:ext uri="{FF2B5EF4-FFF2-40B4-BE49-F238E27FC236}">
-                <a16:creationId xmlns:a16="http://schemas.microsoft.com/office/drawing/2014/main" xmlns="" id="{655A8B44-E113-4C6B-A2FC-5BEFE731A049}"/>
+                <a16:creationId xmlns:a16="http://schemas.microsoft.com/office/drawing/2014/main" id="{655A8B44-E113-4C6B-A2FC-5BEFE731A049}"/>
               </a:ext>
             </a:extLst>
           </p:cNvPr>
@@ -14526,7 +14526,7 @@
           <p:cNvPr id="6" name="Title 1">
             <a:extLst>
               <a:ext uri="{FF2B5EF4-FFF2-40B4-BE49-F238E27FC236}">
-                <a16:creationId xmlns:a16="http://schemas.microsoft.com/office/drawing/2014/main" xmlns="" id="{B8AFF7E4-4251-4D1B-8B85-D15FF4FD7132}"/>
+                <a16:creationId xmlns:a16="http://schemas.microsoft.com/office/drawing/2014/main" id="{B8AFF7E4-4251-4D1B-8B85-D15FF4FD7132}"/>
               </a:ext>
             </a:extLst>
           </p:cNvPr>
@@ -14595,7 +14595,7 @@
           <p:cNvPr id="6" name="Picture 5" descr="holding device-02.png">
             <a:extLst>
               <a:ext uri="{FF2B5EF4-FFF2-40B4-BE49-F238E27FC236}">
-                <a16:creationId xmlns:a16="http://schemas.microsoft.com/office/drawing/2014/main" xmlns="" id="{2DB593FB-453B-49CE-8C22-EC4F23596A03}"/>
+                <a16:creationId xmlns:a16="http://schemas.microsoft.com/office/drawing/2014/main" id="{2DB593FB-453B-49CE-8C22-EC4F23596A03}"/>
               </a:ext>
             </a:extLst>
           </p:cNvPr>
@@ -14630,7 +14630,7 @@
           <p:cNvPr id="10" name="Subtitle 2">
             <a:extLst>
               <a:ext uri="{FF2B5EF4-FFF2-40B4-BE49-F238E27FC236}">
-                <a16:creationId xmlns:a16="http://schemas.microsoft.com/office/drawing/2014/main" xmlns="" id="{B8C2D3B4-8000-4C3B-83C3-D27675CA2CFF}"/>
+                <a16:creationId xmlns:a16="http://schemas.microsoft.com/office/drawing/2014/main" id="{B8C2D3B4-8000-4C3B-83C3-D27675CA2CFF}"/>
               </a:ext>
             </a:extLst>
           </p:cNvPr>
@@ -14754,7 +14754,7 @@
           <p:cNvPr id="8" name="Title 1">
             <a:extLst>
               <a:ext uri="{FF2B5EF4-FFF2-40B4-BE49-F238E27FC236}">
-                <a16:creationId xmlns:a16="http://schemas.microsoft.com/office/drawing/2014/main" xmlns="" id="{CF7ABC16-230B-4B3A-A3F9-787C3C9892B9}"/>
+                <a16:creationId xmlns:a16="http://schemas.microsoft.com/office/drawing/2014/main" id="{CF7ABC16-230B-4B3A-A3F9-787C3C9892B9}"/>
               </a:ext>
             </a:extLst>
           </p:cNvPr>
@@ -14857,7 +14857,7 @@
           <p:cNvPr id="4" name="Picture 3" descr="01 Singapore University of Social Sciences_Horizontal Format_Version A_White Background_RGB.png">
             <a:extLst>
               <a:ext uri="{FF2B5EF4-FFF2-40B4-BE49-F238E27FC236}">
-                <a16:creationId xmlns:a16="http://schemas.microsoft.com/office/drawing/2014/main" xmlns="" id="{F4B87DF8-359B-428C-8106-C024322B14EB}"/>
+                <a16:creationId xmlns:a16="http://schemas.microsoft.com/office/drawing/2014/main" id="{F4B87DF8-359B-428C-8106-C024322B14EB}"/>
               </a:ext>
             </a:extLst>
           </p:cNvPr>
@@ -14893,7 +14893,7 @@
           <p:cNvPr id="5" name="Title 1">
             <a:extLst>
               <a:ext uri="{FF2B5EF4-FFF2-40B4-BE49-F238E27FC236}">
-                <a16:creationId xmlns:a16="http://schemas.microsoft.com/office/drawing/2014/main" xmlns="" id="{199BAE98-A49E-472D-8ACE-E2B33FF24B12}"/>
+                <a16:creationId xmlns:a16="http://schemas.microsoft.com/office/drawing/2014/main" id="{199BAE98-A49E-472D-8ACE-E2B33FF24B12}"/>
               </a:ext>
             </a:extLst>
           </p:cNvPr>
@@ -18264,7 +18264,7 @@
           <a:lstStyle/>
           <a:p>
             <a:r>
-              <a:rPr lang="en-US" altLang="en-US" sz="2100" dirty="0" smtClean="0">
+              <a:rPr lang="en-US" altLang="en-US" sz="2100" dirty="0">
                 <a:solidFill>
                   <a:schemeClr val="bg1"/>
                 </a:solidFill>
@@ -18272,29 +18272,7 @@
                 <a:ea typeface="ヒラギノ角ゴ Pro W3"/>
                 <a:cs typeface="ヒラギノ角ゴ Pro W3"/>
               </a:rPr>
-              <a:t>ANL252 </a:t>
-            </a:r>
-            <a:r>
-              <a:rPr lang="en-US" altLang="en-US" sz="2100" dirty="0">
-                <a:solidFill>
-                  <a:schemeClr val="bg1"/>
-                </a:solidFill>
-                <a:latin typeface="Lucida Sans" panose="020B0602030504020204" pitchFamily="34" charset="0"/>
-                <a:ea typeface="ヒラギノ角ゴ Pro W3"/>
-                <a:cs typeface="ヒラギノ角ゴ Pro W3"/>
-              </a:rPr>
-              <a:t>– </a:t>
-            </a:r>
-            <a:r>
-              <a:rPr lang="en-US" altLang="en-US" sz="2100" dirty="0">
-                <a:solidFill>
-                  <a:schemeClr val="bg1"/>
-                </a:solidFill>
-                <a:latin typeface="Lucida Sans" panose="020B0602030504020204" pitchFamily="34" charset="0"/>
-                <a:ea typeface="ヒラギノ角ゴ Pro W3"/>
-                <a:cs typeface="ヒラギノ角ゴ Pro W3"/>
-              </a:rPr>
-              <a:t>Assessments, weightage, deadlines</a:t>
+              <a:t>ANL252 – Assessments, weightage, deadlines</a:t>
             </a:r>
             <a:endParaRPr lang="en-SG" altLang="en-US" sz="2100" dirty="0">
               <a:solidFill>
@@ -18374,7 +18352,11 @@
             <a:graphicFrameLocks/>
           </p:cNvGraphicFramePr>
           <p:nvPr>
-            <p:extLst/>
+            <p:extLst>
+              <p:ext uri="{D42A27DB-BD31-4B8C-83A1-F6EECF244321}">
+                <p14:modId xmlns:p14="http://schemas.microsoft.com/office/powerpoint/2010/main" val="77513760"/>
+              </p:ext>
+            </p:extLst>
           </p:nvPr>
         </p:nvGraphicFramePr>
         <p:xfrm>
@@ -18391,28 +18373,28 @@
                 <a:gridCol w="2073847">
                   <a:extLst>
                     <a:ext uri="{9D8B030D-6E8A-4147-A177-3AD203B41FA5}">
-                      <a16:colId xmlns:a16="http://schemas.microsoft.com/office/drawing/2014/main" xmlns="" val="736504923"/>
+                      <a16:colId xmlns:a16="http://schemas.microsoft.com/office/drawing/2014/main" val="736504923"/>
                     </a:ext>
                   </a:extLst>
                 </a:gridCol>
                 <a:gridCol w="2867660">
                   <a:extLst>
                     <a:ext uri="{9D8B030D-6E8A-4147-A177-3AD203B41FA5}">
-                      <a16:colId xmlns:a16="http://schemas.microsoft.com/office/drawing/2014/main" xmlns="" val="2972121942"/>
+                      <a16:colId xmlns:a16="http://schemas.microsoft.com/office/drawing/2014/main" val="2972121942"/>
                     </a:ext>
                   </a:extLst>
                 </a:gridCol>
                 <a:gridCol w="1188085">
                   <a:extLst>
                     <a:ext uri="{9D8B030D-6E8A-4147-A177-3AD203B41FA5}">
-                      <a16:colId xmlns:a16="http://schemas.microsoft.com/office/drawing/2014/main" xmlns="" val="366444726"/>
+                      <a16:colId xmlns:a16="http://schemas.microsoft.com/office/drawing/2014/main" val="366444726"/>
                     </a:ext>
                   </a:extLst>
                 </a:gridCol>
                 <a:gridCol w="2023364">
                   <a:extLst>
                     <a:ext uri="{9D8B030D-6E8A-4147-A177-3AD203B41FA5}">
-                      <a16:colId xmlns:a16="http://schemas.microsoft.com/office/drawing/2014/main" xmlns="" val="4127926302"/>
+                      <a16:colId xmlns:a16="http://schemas.microsoft.com/office/drawing/2014/main" val="4127926302"/>
                     </a:ext>
                   </a:extLst>
                 </a:gridCol>
@@ -18424,7 +18406,7 @@
                     <a:lstStyle/>
                     <a:p>
                       <a:r>
-                        <a:rPr lang="en-US" dirty="0" smtClean="0"/>
+                        <a:rPr lang="en-US" dirty="0"/>
                         <a:t>Assessment</a:t>
                       </a:r>
                       <a:endParaRPr lang="en-SG" dirty="0"/>
@@ -18439,7 +18421,7 @@
                     <a:p>
                       <a:pPr algn="ctr"/>
                       <a:r>
-                        <a:rPr lang="en-US" dirty="0" smtClean="0"/>
+                        <a:rPr lang="en-US" dirty="0"/>
                         <a:t>Weightage</a:t>
                       </a:r>
                       <a:endParaRPr lang="en-SG" dirty="0"/>
@@ -18454,7 +18436,7 @@
                     <a:p>
                       <a:pPr algn="ctr"/>
                       <a:r>
-                        <a:rPr lang="en-US" dirty="0" smtClean="0"/>
+                        <a:rPr lang="en-US" dirty="0"/>
                         <a:t>Start date</a:t>
                       </a:r>
                       <a:endParaRPr lang="en-SG" dirty="0"/>
@@ -18469,7 +18451,7 @@
                     <a:p>
                       <a:pPr algn="ctr"/>
                       <a:r>
-                        <a:rPr lang="en-US" dirty="0" smtClean="0"/>
+                        <a:rPr lang="en-US" dirty="0"/>
                         <a:t>Deadline</a:t>
                       </a:r>
                       <a:endParaRPr lang="en-SG" dirty="0"/>
@@ -18479,7 +18461,7 @@
                 </a:tc>
                 <a:extLst>
                   <a:ext uri="{0D108BD9-81ED-4DB2-BD59-A6C34878D82A}">
-                    <a16:rowId xmlns:a16="http://schemas.microsoft.com/office/drawing/2014/main" xmlns="" val="920890589"/>
+                    <a16:rowId xmlns:a16="http://schemas.microsoft.com/office/drawing/2014/main" val="920890589"/>
                   </a:ext>
                 </a:extLst>
               </a:tr>
@@ -18490,11 +18472,11 @@
                     <a:lstStyle/>
                     <a:p>
                       <a:r>
-                        <a:rPr lang="en-US" dirty="0" smtClean="0"/>
+                        <a:rPr lang="en-US" dirty="0"/>
                         <a:t>Pre-Course</a:t>
                       </a:r>
                       <a:r>
-                        <a:rPr lang="en-US" baseline="0" dirty="0" smtClean="0"/>
+                        <a:rPr lang="en-US" baseline="0" dirty="0"/>
                         <a:t> Quiz 1</a:t>
                       </a:r>
                       <a:endParaRPr lang="en-SG" dirty="0"/>
@@ -18509,7 +18491,7 @@
                     <a:p>
                       <a:pPr algn="ctr"/>
                       <a:r>
-                        <a:rPr lang="en-US" dirty="0" smtClean="0"/>
+                        <a:rPr lang="en-US" dirty="0"/>
                         <a:t>2%</a:t>
                       </a:r>
                       <a:endParaRPr lang="en-SG" dirty="0"/>
@@ -18524,7 +18506,7 @@
                     <a:p>
                       <a:pPr algn="ctr"/>
                       <a:r>
-                        <a:rPr lang="en-US" dirty="0" smtClean="0"/>
+                        <a:rPr lang="en-US" dirty="0"/>
                         <a:t>19 July, 12pm</a:t>
                       </a:r>
                       <a:endParaRPr lang="en-SG" dirty="0"/>
@@ -18539,11 +18521,11 @@
                     <a:p>
                       <a:pPr algn="ctr"/>
                       <a:r>
-                        <a:rPr lang="en-US" dirty="0" smtClean="0"/>
+                        <a:rPr lang="en-US" dirty="0"/>
                         <a:t>30 July,</a:t>
                       </a:r>
                       <a:r>
-                        <a:rPr lang="en-US" baseline="0" dirty="0" smtClean="0"/>
+                        <a:rPr lang="en-US" baseline="0" dirty="0"/>
                         <a:t> 12pm</a:t>
                       </a:r>
                       <a:endParaRPr lang="en-SG" dirty="0"/>
@@ -18553,7 +18535,7 @@
                 </a:tc>
                 <a:extLst>
                   <a:ext uri="{0D108BD9-81ED-4DB2-BD59-A6C34878D82A}">
-                    <a16:rowId xmlns:a16="http://schemas.microsoft.com/office/drawing/2014/main" xmlns="" val="301574426"/>
+                    <a16:rowId xmlns:a16="http://schemas.microsoft.com/office/drawing/2014/main" val="301574426"/>
                   </a:ext>
                 </a:extLst>
               </a:tr>
@@ -18564,7 +18546,7 @@
                     <a:lstStyle/>
                     <a:p>
                       <a:r>
-                        <a:rPr lang="en-US" dirty="0" smtClean="0"/>
+                        <a:rPr lang="en-US" dirty="0"/>
                         <a:t>Pre-Class Quiz 1</a:t>
                       </a:r>
                       <a:endParaRPr lang="en-SG" dirty="0"/>
@@ -18579,7 +18561,7 @@
                     <a:p>
                       <a:pPr algn="ctr"/>
                       <a:r>
-                        <a:rPr lang="en-US" dirty="0" smtClean="0"/>
+                        <a:rPr lang="en-US" dirty="0"/>
                         <a:t>2%</a:t>
                       </a:r>
                       <a:endParaRPr lang="en-SG" dirty="0"/>
@@ -18594,11 +18576,11 @@
                     <a:p>
                       <a:pPr algn="ctr"/>
                       <a:r>
-                        <a:rPr lang="en-US" dirty="0" smtClean="0"/>
+                        <a:rPr lang="en-US" dirty="0"/>
                         <a:t>2 Aug,</a:t>
                       </a:r>
                       <a:r>
-                        <a:rPr lang="en-US" baseline="0" dirty="0" smtClean="0"/>
+                        <a:rPr lang="en-US" baseline="0" dirty="0"/>
                         <a:t> 12pm</a:t>
                       </a:r>
                       <a:endParaRPr lang="en-SG" dirty="0"/>
@@ -18613,7 +18595,7 @@
                     <a:p>
                       <a:pPr algn="ctr"/>
                       <a:r>
-                        <a:rPr lang="en-US" dirty="0" smtClean="0"/>
+                        <a:rPr lang="en-US" dirty="0"/>
                         <a:t>9 Aug, 12pm</a:t>
                       </a:r>
                       <a:endParaRPr lang="en-SG" dirty="0"/>
@@ -18623,7 +18605,7 @@
                 </a:tc>
                 <a:extLst>
                   <a:ext uri="{0D108BD9-81ED-4DB2-BD59-A6C34878D82A}">
-                    <a16:rowId xmlns:a16="http://schemas.microsoft.com/office/drawing/2014/main" xmlns="" val="196128480"/>
+                    <a16:rowId xmlns:a16="http://schemas.microsoft.com/office/drawing/2014/main" val="196128480"/>
                   </a:ext>
                 </a:extLst>
               </a:tr>
@@ -18634,11 +18616,11 @@
                     <a:lstStyle/>
                     <a:p>
                       <a:r>
-                        <a:rPr lang="en-US" dirty="0" smtClean="0"/>
+                        <a:rPr lang="en-US" dirty="0"/>
                         <a:t>Pre-Class Quiz</a:t>
                       </a:r>
                       <a:r>
-                        <a:rPr lang="en-US" baseline="0" dirty="0" smtClean="0"/>
+                        <a:rPr lang="en-US" baseline="0" dirty="0"/>
                         <a:t> 2</a:t>
                       </a:r>
                       <a:endParaRPr lang="en-SG" dirty="0"/>
@@ -18653,7 +18635,7 @@
                     <a:p>
                       <a:pPr algn="ctr"/>
                       <a:r>
-                        <a:rPr lang="en-US" dirty="0" smtClean="0"/>
+                        <a:rPr lang="en-US" dirty="0"/>
                         <a:t>2%</a:t>
                       </a:r>
                       <a:endParaRPr lang="en-SG" dirty="0"/>
@@ -18668,7 +18650,7 @@
                     <a:p>
                       <a:pPr algn="ctr"/>
                       <a:r>
-                        <a:rPr lang="en-US" dirty="0" smtClean="0"/>
+                        <a:rPr lang="en-US" dirty="0"/>
                         <a:t>16 Aug, 12pm</a:t>
                       </a:r>
                       <a:endParaRPr lang="en-SG" dirty="0"/>
@@ -18699,17 +18681,17 @@
                         <a:defRPr/>
                       </a:pPr>
                       <a:r>
-                        <a:rPr lang="en-US" dirty="0" smtClean="0"/>
+                        <a:rPr lang="en-US" dirty="0"/>
                         <a:t>23 Aug, 12pm</a:t>
                       </a:r>
-                      <a:endParaRPr lang="en-SG" dirty="0" smtClean="0"/>
+                      <a:endParaRPr lang="en-SG" dirty="0"/>
                     </a:p>
                   </a:txBody>
                   <a:tcPr anchor="ctr"/>
                 </a:tc>
                 <a:extLst>
                   <a:ext uri="{0D108BD9-81ED-4DB2-BD59-A6C34878D82A}">
-                    <a16:rowId xmlns:a16="http://schemas.microsoft.com/office/drawing/2014/main" xmlns="" val="4029903763"/>
+                    <a16:rowId xmlns:a16="http://schemas.microsoft.com/office/drawing/2014/main" val="4029903763"/>
                   </a:ext>
                 </a:extLst>
               </a:tr>
@@ -18720,11 +18702,11 @@
                     <a:lstStyle/>
                     <a:p>
                       <a:r>
-                        <a:rPr lang="en-US" dirty="0" smtClean="0"/>
+                        <a:rPr lang="en-US" dirty="0"/>
                         <a:t>Tutor</a:t>
                       </a:r>
                       <a:r>
-                        <a:rPr lang="en-US" baseline="0" dirty="0" smtClean="0"/>
+                        <a:rPr lang="en-US" baseline="0" dirty="0"/>
                         <a:t> Marked Assignment</a:t>
                       </a:r>
                       <a:endParaRPr lang="en-SG" dirty="0"/>
@@ -18739,7 +18721,7 @@
                     <a:p>
                       <a:pPr algn="ctr"/>
                       <a:r>
-                        <a:rPr lang="en-US" dirty="0" smtClean="0"/>
+                        <a:rPr lang="en-US" dirty="0"/>
                         <a:t>18%</a:t>
                       </a:r>
                       <a:endParaRPr lang="en-SG" dirty="0"/>
@@ -18765,8 +18747,8 @@
                     <a:p>
                       <a:pPr algn="ctr"/>
                       <a:r>
-                        <a:rPr lang="en-US" dirty="0" smtClean="0"/>
-                        <a:t>8 Aug, 1155 pm</a:t>
+                        <a:rPr lang="en-US" dirty="0"/>
+                        <a:t>15 Aug, 1155 pm</a:t>
                       </a:r>
                       <a:endParaRPr lang="en-SG" dirty="0"/>
                     </a:p>
@@ -18775,7 +18757,7 @@
                 </a:tc>
                 <a:extLst>
                   <a:ext uri="{0D108BD9-81ED-4DB2-BD59-A6C34878D82A}">
-                    <a16:rowId xmlns:a16="http://schemas.microsoft.com/office/drawing/2014/main" xmlns="" val="2065889755"/>
+                    <a16:rowId xmlns:a16="http://schemas.microsoft.com/office/drawing/2014/main" val="2065889755"/>
                   </a:ext>
                 </a:extLst>
               </a:tr>
@@ -18786,15 +18768,15 @@
                     <a:lstStyle/>
                     <a:p>
                       <a:r>
-                        <a:rPr lang="en-US" dirty="0" smtClean="0"/>
+                        <a:rPr lang="en-US" dirty="0"/>
                         <a:t>Group</a:t>
                       </a:r>
                       <a:r>
-                        <a:rPr lang="en-US" baseline="0" dirty="0" smtClean="0"/>
+                        <a:rPr lang="en-US" baseline="0" dirty="0"/>
                         <a:t> </a:t>
                       </a:r>
                       <a:r>
-                        <a:rPr lang="en-US" dirty="0" smtClean="0"/>
+                        <a:rPr lang="en-US" dirty="0"/>
                         <a:t>Based Assessment</a:t>
                       </a:r>
                       <a:endParaRPr lang="en-SG" dirty="0"/>
@@ -18809,7 +18791,7 @@
                     <a:p>
                       <a:pPr algn="ctr"/>
                       <a:r>
-                        <a:rPr lang="en-US" dirty="0" smtClean="0"/>
+                        <a:rPr lang="en-US" dirty="0"/>
                         <a:t>20%</a:t>
                       </a:r>
                       <a:endParaRPr lang="en-SG" dirty="0"/>
@@ -18835,8 +18817,8 @@
                     <a:p>
                       <a:pPr algn="ctr"/>
                       <a:r>
-                        <a:rPr lang="en-US" dirty="0" smtClean="0"/>
-                        <a:t>22 Aug, 1155 pm</a:t>
+                        <a:rPr lang="en-US" dirty="0"/>
+                        <a:t>29 Aug, 1155 pm</a:t>
                       </a:r>
                       <a:endParaRPr lang="en-SG" dirty="0"/>
                     </a:p>
@@ -18845,7 +18827,7 @@
                 </a:tc>
                 <a:extLst>
                   <a:ext uri="{0D108BD9-81ED-4DB2-BD59-A6C34878D82A}">
-                    <a16:rowId xmlns:a16="http://schemas.microsoft.com/office/drawing/2014/main" xmlns="" val="3821679047"/>
+                    <a16:rowId xmlns:a16="http://schemas.microsoft.com/office/drawing/2014/main" val="3821679047"/>
                   </a:ext>
                 </a:extLst>
               </a:tr>
@@ -18856,7 +18838,7 @@
                     <a:lstStyle/>
                     <a:p>
                       <a:r>
-                        <a:rPr lang="en-US" dirty="0" smtClean="0"/>
+                        <a:rPr lang="en-US" dirty="0"/>
                         <a:t>End-of-Course Assessment</a:t>
                       </a:r>
                       <a:endParaRPr lang="en-SG" dirty="0"/>
@@ -18871,7 +18853,7 @@
                     <a:p>
                       <a:pPr algn="ctr"/>
                       <a:r>
-                        <a:rPr lang="en-US" dirty="0" smtClean="0"/>
+                        <a:rPr lang="en-US" dirty="0"/>
                         <a:t>50%</a:t>
                       </a:r>
                       <a:endParaRPr lang="en-SG" dirty="0"/>
@@ -18913,17 +18895,17 @@
                         <a:defRPr/>
                       </a:pPr>
                       <a:r>
-                        <a:rPr lang="en-US" dirty="0" smtClean="0"/>
+                        <a:rPr lang="en-US" dirty="0"/>
                         <a:t>6 September 2021, 12 pm</a:t>
                       </a:r>
-                      <a:endParaRPr lang="en-SG" dirty="0" smtClean="0"/>
+                      <a:endParaRPr lang="en-SG" dirty="0"/>
                     </a:p>
                   </a:txBody>
                   <a:tcPr anchor="ctr"/>
                 </a:tc>
                 <a:extLst>
                   <a:ext uri="{0D108BD9-81ED-4DB2-BD59-A6C34878D82A}">
-                    <a16:rowId xmlns:a16="http://schemas.microsoft.com/office/drawing/2014/main" xmlns="" val="153666857"/>
+                    <a16:rowId xmlns:a16="http://schemas.microsoft.com/office/drawing/2014/main" val="153666857"/>
                   </a:ext>
                 </a:extLst>
               </a:tr>
@@ -18934,7 +18916,7 @@
                     <a:lstStyle/>
                     <a:p>
                       <a:r>
-                        <a:rPr lang="en-US" dirty="0" smtClean="0"/>
+                        <a:rPr lang="en-US" dirty="0"/>
                         <a:t>Participation </a:t>
                       </a:r>
                       <a:endParaRPr lang="en-SG" dirty="0"/>
@@ -18949,14 +18931,14 @@
                     <a:p>
                       <a:pPr algn="ctr"/>
                       <a:r>
-                        <a:rPr lang="en-US" dirty="0" smtClean="0"/>
+                        <a:rPr lang="en-US" dirty="0"/>
                         <a:t>6% </a:t>
                       </a:r>
                       <a:r>
-                        <a:rPr lang="en-SG" baseline="0" dirty="0" smtClean="0"/>
+                        <a:rPr lang="en-SG" baseline="0" dirty="0"/>
                         <a:t> (30% from class, 70% from forum)</a:t>
                       </a:r>
-                      <a:endParaRPr lang="en-US" dirty="0" smtClean="0"/>
+                      <a:endParaRPr lang="en-US" dirty="0"/>
                     </a:p>
                   </a:txBody>
                   <a:tcPr anchor="ctr"/>
@@ -18994,14 +18976,14 @@
                         <a:tabLst/>
                         <a:defRPr/>
                       </a:pPr>
-                      <a:endParaRPr lang="en-SG" dirty="0" smtClean="0"/>
+                      <a:endParaRPr lang="en-SG" dirty="0"/>
                     </a:p>
                   </a:txBody>
                   <a:tcPr anchor="ctr"/>
                 </a:tc>
                 <a:extLst>
                   <a:ext uri="{0D108BD9-81ED-4DB2-BD59-A6C34878D82A}">
-                    <a16:rowId xmlns:a16="http://schemas.microsoft.com/office/drawing/2014/main" xmlns="" val="2824512280"/>
+                    <a16:rowId xmlns:a16="http://schemas.microsoft.com/office/drawing/2014/main" val="2824512280"/>
                   </a:ext>
                 </a:extLst>
               </a:tr>
@@ -19181,7 +19163,7 @@
           <p:cNvPr id="11" name="Picture 10">
             <a:extLst>
               <a:ext uri="{FF2B5EF4-FFF2-40B4-BE49-F238E27FC236}">
-                <a16:creationId xmlns:a16="http://schemas.microsoft.com/office/drawing/2014/main" xmlns="" id="{AFDDACCD-6158-4B36-B36F-F5D4B863DB31}"/>
+                <a16:creationId xmlns:a16="http://schemas.microsoft.com/office/drawing/2014/main" id="{AFDDACCD-6158-4B36-B36F-F5D4B863DB31}"/>
               </a:ext>
             </a:extLst>
           </p:cNvPr>
@@ -19227,7 +19209,7 @@
           <p:cNvPr id="6" name="Group 5">
             <a:extLst>
               <a:ext uri="{FF2B5EF4-FFF2-40B4-BE49-F238E27FC236}">
-                <a16:creationId xmlns:a16="http://schemas.microsoft.com/office/drawing/2014/main" xmlns="" id="{1F12631E-70EC-4CAA-A547-3D788B6F3679}"/>
+                <a16:creationId xmlns:a16="http://schemas.microsoft.com/office/drawing/2014/main" id="{1F12631E-70EC-4CAA-A547-3D788B6F3679}"/>
               </a:ext>
             </a:extLst>
           </p:cNvPr>
@@ -19247,7 +19229,7 @@
             <p:cNvPr id="10" name="Picture 9">
               <a:extLst>
                 <a:ext uri="{FF2B5EF4-FFF2-40B4-BE49-F238E27FC236}">
-                  <a16:creationId xmlns:a16="http://schemas.microsoft.com/office/drawing/2014/main" xmlns="" id="{BA27B39C-5504-4B4F-8281-F23ADFF9E5F3}"/>
+                  <a16:creationId xmlns:a16="http://schemas.microsoft.com/office/drawing/2014/main" id="{BA27B39C-5504-4B4F-8281-F23ADFF9E5F3}"/>
                 </a:ext>
               </a:extLst>
             </p:cNvPr>
@@ -19288,7 +19270,7 @@
             <p:cNvPr id="5" name="Oval 4">
               <a:extLst>
                 <a:ext uri="{FF2B5EF4-FFF2-40B4-BE49-F238E27FC236}">
-                  <a16:creationId xmlns:a16="http://schemas.microsoft.com/office/drawing/2014/main" xmlns="" id="{6DA5E0A1-4858-4873-81AF-8A79F8F2C994}"/>
+                  <a16:creationId xmlns:a16="http://schemas.microsoft.com/office/drawing/2014/main" id="{6DA5E0A1-4858-4873-81AF-8A79F8F2C994}"/>
                 </a:ext>
               </a:extLst>
             </p:cNvPr>
@@ -19458,7 +19440,7 @@
           <p:cNvPr id="2" name="Group 1">
             <a:extLst>
               <a:ext uri="{FF2B5EF4-FFF2-40B4-BE49-F238E27FC236}">
-                <a16:creationId xmlns:a16="http://schemas.microsoft.com/office/drawing/2014/main" xmlns="" id="{39679788-703D-4E6C-B0D6-54EE768F0A3C}"/>
+                <a16:creationId xmlns:a16="http://schemas.microsoft.com/office/drawing/2014/main" id="{39679788-703D-4E6C-B0D6-54EE768F0A3C}"/>
               </a:ext>
             </a:extLst>
           </p:cNvPr>
@@ -19478,7 +19460,7 @@
             <p:cNvPr id="7" name="Picture 6">
               <a:extLst>
                 <a:ext uri="{FF2B5EF4-FFF2-40B4-BE49-F238E27FC236}">
-                  <a16:creationId xmlns:a16="http://schemas.microsoft.com/office/drawing/2014/main" xmlns="" id="{555C46BD-55FB-43BD-9CB2-1637BA633B58}"/>
+                  <a16:creationId xmlns:a16="http://schemas.microsoft.com/office/drawing/2014/main" id="{555C46BD-55FB-43BD-9CB2-1637BA633B58}"/>
                 </a:ext>
               </a:extLst>
             </p:cNvPr>
@@ -19519,7 +19501,7 @@
             <p:cNvPr id="9" name="Oval 8">
               <a:extLst>
                 <a:ext uri="{FF2B5EF4-FFF2-40B4-BE49-F238E27FC236}">
-                  <a16:creationId xmlns:a16="http://schemas.microsoft.com/office/drawing/2014/main" xmlns="" id="{EA34AADB-83CF-4F9F-8533-45905B6C0C40}"/>
+                  <a16:creationId xmlns:a16="http://schemas.microsoft.com/office/drawing/2014/main" id="{EA34AADB-83CF-4F9F-8533-45905B6C0C40}"/>
                 </a:ext>
               </a:extLst>
             </p:cNvPr>
@@ -19818,7 +19800,7 @@
           <p:cNvPr id="9" name="Picture 8">
             <a:extLst>
               <a:ext uri="{FF2B5EF4-FFF2-40B4-BE49-F238E27FC236}">
-                <a16:creationId xmlns:a16="http://schemas.microsoft.com/office/drawing/2014/main" xmlns="" id="{A3CF6AFE-6E86-4703-98F6-575E2378EAD7}"/>
+                <a16:creationId xmlns:a16="http://schemas.microsoft.com/office/drawing/2014/main" id="{A3CF6AFE-6E86-4703-98F6-575E2378EAD7}"/>
               </a:ext>
             </a:extLst>
           </p:cNvPr>
@@ -19864,7 +19846,7 @@
           <p:cNvPr id="2" name="Group 1">
             <a:extLst>
               <a:ext uri="{FF2B5EF4-FFF2-40B4-BE49-F238E27FC236}">
-                <a16:creationId xmlns:a16="http://schemas.microsoft.com/office/drawing/2014/main" xmlns="" id="{1619F42B-4594-44EF-935D-276C78BD003D}"/>
+                <a16:creationId xmlns:a16="http://schemas.microsoft.com/office/drawing/2014/main" id="{1619F42B-4594-44EF-935D-276C78BD003D}"/>
               </a:ext>
             </a:extLst>
           </p:cNvPr>
@@ -19884,7 +19866,7 @@
             <p:cNvPr id="8" name="Picture 7">
               <a:extLst>
                 <a:ext uri="{FF2B5EF4-FFF2-40B4-BE49-F238E27FC236}">
-                  <a16:creationId xmlns:a16="http://schemas.microsoft.com/office/drawing/2014/main" xmlns="" id="{B1C5104A-C8B5-4E0C-A99D-B7864FAD7230}"/>
+                  <a16:creationId xmlns:a16="http://schemas.microsoft.com/office/drawing/2014/main" id="{B1C5104A-C8B5-4E0C-A99D-B7864FAD7230}"/>
                 </a:ext>
               </a:extLst>
             </p:cNvPr>
@@ -19925,7 +19907,7 @@
             <p:cNvPr id="10" name="Rectangle 9">
               <a:extLst>
                 <a:ext uri="{FF2B5EF4-FFF2-40B4-BE49-F238E27FC236}">
-                  <a16:creationId xmlns:a16="http://schemas.microsoft.com/office/drawing/2014/main" xmlns="" id="{91EE84A3-D206-4821-8EEA-8BFFC8C2DA0F}"/>
+                  <a16:creationId xmlns:a16="http://schemas.microsoft.com/office/drawing/2014/main" id="{91EE84A3-D206-4821-8EEA-8BFFC8C2DA0F}"/>
                 </a:ext>
               </a:extLst>
             </p:cNvPr>
@@ -20090,7 +20072,7 @@
           <p:cNvPr id="2" name="Group 1">
             <a:extLst>
               <a:ext uri="{FF2B5EF4-FFF2-40B4-BE49-F238E27FC236}">
-                <a16:creationId xmlns:a16="http://schemas.microsoft.com/office/drawing/2014/main" xmlns="" id="{3EFE5393-BCA3-49EB-A47D-79E33160F323}"/>
+                <a16:creationId xmlns:a16="http://schemas.microsoft.com/office/drawing/2014/main" id="{3EFE5393-BCA3-49EB-A47D-79E33160F323}"/>
               </a:ext>
             </a:extLst>
           </p:cNvPr>
@@ -20112,7 +20094,7 @@
             <p:cNvPr id="11" name="Picture 10">
               <a:extLst>
                 <a:ext uri="{FF2B5EF4-FFF2-40B4-BE49-F238E27FC236}">
-                  <a16:creationId xmlns:a16="http://schemas.microsoft.com/office/drawing/2014/main" xmlns="" id="{7496B885-5A31-4F0A-B3D0-6B81D8CB9CAE}"/>
+                  <a16:creationId xmlns:a16="http://schemas.microsoft.com/office/drawing/2014/main" id="{7496B885-5A31-4F0A-B3D0-6B81D8CB9CAE}"/>
                 </a:ext>
               </a:extLst>
             </p:cNvPr>
@@ -20151,7 +20133,7 @@
             <p:cNvPr id="10" name="Rectangle 9">
               <a:extLst>
                 <a:ext uri="{FF2B5EF4-FFF2-40B4-BE49-F238E27FC236}">
-                  <a16:creationId xmlns:a16="http://schemas.microsoft.com/office/drawing/2014/main" xmlns="" id="{91EE84A3-D206-4821-8EEA-8BFFC8C2DA0F}"/>
+                  <a16:creationId xmlns:a16="http://schemas.microsoft.com/office/drawing/2014/main" id="{91EE84A3-D206-4821-8EEA-8BFFC8C2DA0F}"/>
                 </a:ext>
               </a:extLst>
             </p:cNvPr>
@@ -20510,7 +20492,7 @@
           <p:cNvPr id="5122" name="Title 1">
             <a:extLst>
               <a:ext uri="{FF2B5EF4-FFF2-40B4-BE49-F238E27FC236}">
-                <a16:creationId xmlns:a16="http://schemas.microsoft.com/office/drawing/2014/main" xmlns="" id="{2DF29706-0BF6-40D2-8B1C-3EC71B2E0102}"/>
+                <a16:creationId xmlns:a16="http://schemas.microsoft.com/office/drawing/2014/main" id="{2DF29706-0BF6-40D2-8B1C-3EC71B2E0102}"/>
               </a:ext>
             </a:extLst>
           </p:cNvPr>
@@ -20899,7 +20881,7 @@
           <p:cNvPr id="5" name="Rectangle 4">
             <a:extLst>
               <a:ext uri="{FF2B5EF4-FFF2-40B4-BE49-F238E27FC236}">
-                <a16:creationId xmlns:a16="http://schemas.microsoft.com/office/drawing/2014/main" xmlns="" id="{6537FF02-2A8E-4E51-9087-A889A405E435}"/>
+                <a16:creationId xmlns:a16="http://schemas.microsoft.com/office/drawing/2014/main" id="{6537FF02-2A8E-4E51-9087-A889A405E435}"/>
               </a:ext>
             </a:extLst>
           </p:cNvPr>
@@ -20968,7 +20950,7 @@
           <p:cNvPr id="6" name="Picture 5">
             <a:extLst>
               <a:ext uri="{FF2B5EF4-FFF2-40B4-BE49-F238E27FC236}">
-                <a16:creationId xmlns:a16="http://schemas.microsoft.com/office/drawing/2014/main" xmlns="" id="{65B56945-6D21-4CE4-AA3F-87AD7B47E20A}"/>
+                <a16:creationId xmlns:a16="http://schemas.microsoft.com/office/drawing/2014/main" id="{65B56945-6D21-4CE4-AA3F-87AD7B47E20A}"/>
               </a:ext>
             </a:extLst>
           </p:cNvPr>
@@ -21005,7 +20987,7 @@
           <p:cNvPr id="7" name="Rectangle 6">
             <a:extLst>
               <a:ext uri="{FF2B5EF4-FFF2-40B4-BE49-F238E27FC236}">
-                <a16:creationId xmlns:a16="http://schemas.microsoft.com/office/drawing/2014/main" xmlns="" id="{5ECDFFD8-D6AB-4DAE-9BFF-6D8C8B124E67}"/>
+                <a16:creationId xmlns:a16="http://schemas.microsoft.com/office/drawing/2014/main" id="{5ECDFFD8-D6AB-4DAE-9BFF-6D8C8B124E67}"/>
               </a:ext>
             </a:extLst>
           </p:cNvPr>
@@ -21283,7 +21265,7 @@
           <p:cNvPr id="5" name="Rectangle 4">
             <a:extLst>
               <a:ext uri="{FF2B5EF4-FFF2-40B4-BE49-F238E27FC236}">
-                <a16:creationId xmlns:a16="http://schemas.microsoft.com/office/drawing/2014/main" xmlns="" id="{6537FF02-2A8E-4E51-9087-A889A405E435}"/>
+                <a16:creationId xmlns:a16="http://schemas.microsoft.com/office/drawing/2014/main" id="{6537FF02-2A8E-4E51-9087-A889A405E435}"/>
               </a:ext>
             </a:extLst>
           </p:cNvPr>
@@ -21687,25 +21669,8 @@
                 <a:latin typeface="Roboto Medium" panose="02000000000000000000" pitchFamily="2" charset="0"/>
                 <a:ea typeface="Roboto Medium" panose="02000000000000000000" pitchFamily="2" charset="0"/>
               </a:rPr>
-              <a:t>ANL </a:t>
-            </a:r>
-            <a:r>
-              <a:rPr lang="en-GB" sz="4300" dirty="0" smtClean="0">
-                <a:solidFill>
-                  <a:srgbClr val="DA291C"/>
-                </a:solidFill>
-                <a:latin typeface="Roboto Medium" panose="02000000000000000000" pitchFamily="2" charset="0"/>
-                <a:ea typeface="Roboto Medium" panose="02000000000000000000" pitchFamily="2" charset="0"/>
-              </a:rPr>
-              <a:t>252</a:t>
-            </a:r>
-            <a:endParaRPr lang="en-GB" sz="4300" dirty="0">
-              <a:solidFill>
-                <a:srgbClr val="DA291C"/>
-              </a:solidFill>
-              <a:latin typeface="Roboto Medium" panose="02000000000000000000" pitchFamily="2" charset="0"/>
-              <a:ea typeface="Roboto Medium" panose="02000000000000000000" pitchFamily="2" charset="0"/>
-            </a:endParaRPr>
+              <a:t>ANL 252</a:t>
+            </a:r>
           </a:p>
         </p:txBody>
       </p:sp>
@@ -21732,35 +21697,35 @@
           <a:lstStyle/>
           <a:p>
             <a:r>
-              <a:rPr lang="en-GB" i="1" dirty="0" smtClean="0">
+              <a:rPr lang="en-GB" i="1" dirty="0">
                 <a:latin typeface="Roboto Medium" panose="02000000000000000000" pitchFamily="2" charset="0"/>
                 <a:ea typeface="Roboto Medium" panose="02000000000000000000" pitchFamily="2" charset="0"/>
               </a:rPr>
               <a:t>Faculty: </a:t>
             </a:r>
             <a:r>
-              <a:rPr lang="en-GB" i="1" dirty="0" err="1" smtClean="0">
+              <a:rPr lang="en-GB" i="1" dirty="0" err="1">
                 <a:latin typeface="Roboto Medium" panose="02000000000000000000" pitchFamily="2" charset="0"/>
                 <a:ea typeface="Roboto Medium" panose="02000000000000000000" pitchFamily="2" charset="0"/>
               </a:rPr>
               <a:t>Dr.</a:t>
             </a:r>
             <a:r>
-              <a:rPr lang="en-GB" i="1" dirty="0" smtClean="0">
+              <a:rPr lang="en-GB" i="1" dirty="0">
                 <a:latin typeface="Roboto Medium" panose="02000000000000000000" pitchFamily="2" charset="0"/>
                 <a:ea typeface="Roboto Medium" panose="02000000000000000000" pitchFamily="2" charset="0"/>
               </a:rPr>
               <a:t> </a:t>
             </a:r>
             <a:r>
-              <a:rPr lang="en-GB" i="1" dirty="0" err="1" smtClean="0">
+              <a:rPr lang="en-GB" i="1" dirty="0" err="1">
                 <a:latin typeface="Roboto Medium" panose="02000000000000000000" pitchFamily="2" charset="0"/>
                 <a:ea typeface="Roboto Medium" panose="02000000000000000000" pitchFamily="2" charset="0"/>
               </a:rPr>
               <a:t>Munish</a:t>
             </a:r>
             <a:r>
-              <a:rPr lang="en-GB" i="1" dirty="0" smtClean="0">
+              <a:rPr lang="en-GB" i="1" dirty="0">
                 <a:latin typeface="Roboto Medium" panose="02000000000000000000" pitchFamily="2" charset="0"/>
                 <a:ea typeface="Roboto Medium" panose="02000000000000000000" pitchFamily="2" charset="0"/>
               </a:rPr>
@@ -21769,23 +21734,12 @@
           </a:p>
           <a:p>
             <a:r>
-              <a:rPr lang="en-GB" i="1" dirty="0" smtClean="0">
+              <a:rPr lang="en-GB" i="1" dirty="0">
                 <a:latin typeface="Roboto Medium" panose="02000000000000000000" pitchFamily="2" charset="0"/>
                 <a:ea typeface="Roboto Medium" panose="02000000000000000000" pitchFamily="2" charset="0"/>
               </a:rPr>
-              <a:t>Session </a:t>
-            </a:r>
-            <a:r>
-              <a:rPr lang="en-GB" i="1" dirty="0" smtClean="0">
-                <a:latin typeface="Roboto Medium" panose="02000000000000000000" pitchFamily="2" charset="0"/>
-                <a:ea typeface="Roboto Medium" panose="02000000000000000000" pitchFamily="2" charset="0"/>
-              </a:rPr>
-              <a:t>3: Arrays &amp; Plots</a:t>
-            </a:r>
-            <a:endParaRPr lang="en-GB" i="1" dirty="0">
-              <a:latin typeface="Roboto Medium" panose="02000000000000000000" pitchFamily="2" charset="0"/>
-              <a:ea typeface="Roboto Medium" panose="02000000000000000000" pitchFamily="2" charset="0"/>
-            </a:endParaRPr>
+              <a:t>Session 3: Arrays &amp; Plots</a:t>
+            </a:r>
           </a:p>
         </p:txBody>
       </p:sp>
@@ -21794,7 +21748,7 @@
           <p:cNvPr id="2" name="TextBox 1">
             <a:extLst>
               <a:ext uri="{FF2B5EF4-FFF2-40B4-BE49-F238E27FC236}">
-                <a16:creationId xmlns:a16="http://schemas.microsoft.com/office/drawing/2014/main" xmlns="" id="{88166380-F6E3-4D4E-AF38-9624C872CD2B}"/>
+                <a16:creationId xmlns:a16="http://schemas.microsoft.com/office/drawing/2014/main" id="{88166380-F6E3-4D4E-AF38-9624C872CD2B}"/>
               </a:ext>
             </a:extLst>
           </p:cNvPr>
@@ -21819,7 +21773,7 @@
           <a:p>
             <a:pPr defTabSz="457200"/>
             <a:r>
-              <a:rPr lang="en-US" sz="1200" dirty="0" smtClean="0">
+              <a:rPr lang="en-US" sz="1200" dirty="0">
                 <a:solidFill>
                   <a:srgbClr val="99D6EA"/>
                 </a:solidFill>
@@ -21828,13 +21782,6 @@
               </a:rPr>
               <a:t>August 2021</a:t>
             </a:r>
-            <a:endParaRPr lang="en-US" sz="1200" dirty="0">
-              <a:solidFill>
-                <a:srgbClr val="99D6EA"/>
-              </a:solidFill>
-              <a:latin typeface="Roboto Medium" panose="02000000000000000000" pitchFamily="2" charset="0"/>
-              <a:ea typeface="Roboto Medium" panose="02000000000000000000" pitchFamily="2" charset="0"/>
-            </a:endParaRPr>
           </a:p>
         </p:txBody>
       </p:sp>
@@ -22249,7 +22196,7 @@
           <p:cNvPr id="5" name="Rectangle 4">
             <a:extLst>
               <a:ext uri="{FF2B5EF4-FFF2-40B4-BE49-F238E27FC236}">
-                <a16:creationId xmlns:a16="http://schemas.microsoft.com/office/drawing/2014/main" xmlns="" id="{6537FF02-2A8E-4E51-9087-A889A405E435}"/>
+                <a16:creationId xmlns:a16="http://schemas.microsoft.com/office/drawing/2014/main" id="{6537FF02-2A8E-4E51-9087-A889A405E435}"/>
               </a:ext>
             </a:extLst>
           </p:cNvPr>
@@ -22742,7 +22689,7 @@
           <p:cNvPr id="5" name="Rectangle 4">
             <a:extLst>
               <a:ext uri="{FF2B5EF4-FFF2-40B4-BE49-F238E27FC236}">
-                <a16:creationId xmlns:a16="http://schemas.microsoft.com/office/drawing/2014/main" xmlns="" id="{6537FF02-2A8E-4E51-9087-A889A405E435}"/>
+                <a16:creationId xmlns:a16="http://schemas.microsoft.com/office/drawing/2014/main" id="{6537FF02-2A8E-4E51-9087-A889A405E435}"/>
               </a:ext>
             </a:extLst>
           </p:cNvPr>
@@ -23286,7 +23233,7 @@
           <p:cNvPr id="6" name="Table 5">
             <a:extLst>
               <a:ext uri="{FF2B5EF4-FFF2-40B4-BE49-F238E27FC236}">
-                <a16:creationId xmlns:a16="http://schemas.microsoft.com/office/drawing/2014/main" xmlns="" id="{407B6ABD-65B8-4519-86F5-E97D0FABC6D1}"/>
+                <a16:creationId xmlns:a16="http://schemas.microsoft.com/office/drawing/2014/main" id="{407B6ABD-65B8-4519-86F5-E97D0FABC6D1}"/>
               </a:ext>
             </a:extLst>
           </p:cNvPr>
@@ -23309,14 +23256,14 @@
                 <a:gridCol w="1992233">
                   <a:extLst>
                     <a:ext uri="{9D8B030D-6E8A-4147-A177-3AD203B41FA5}">
-                      <a16:colId xmlns:a16="http://schemas.microsoft.com/office/drawing/2014/main" xmlns="" val="2528793138"/>
+                      <a16:colId xmlns:a16="http://schemas.microsoft.com/office/drawing/2014/main" val="2528793138"/>
                     </a:ext>
                   </a:extLst>
                 </a:gridCol>
                 <a:gridCol w="5660079">
                   <a:extLst>
                     <a:ext uri="{9D8B030D-6E8A-4147-A177-3AD203B41FA5}">
-                      <a16:colId xmlns:a16="http://schemas.microsoft.com/office/drawing/2014/main" xmlns="" val="2845598653"/>
+                      <a16:colId xmlns:a16="http://schemas.microsoft.com/office/drawing/2014/main" val="2845598653"/>
                     </a:ext>
                   </a:extLst>
                 </a:gridCol>
@@ -23368,7 +23315,7 @@
                 </a:tc>
                 <a:extLst>
                   <a:ext uri="{0D108BD9-81ED-4DB2-BD59-A6C34878D82A}">
-                    <a16:rowId xmlns:a16="http://schemas.microsoft.com/office/drawing/2014/main" xmlns="" val="3575106097"/>
+                    <a16:rowId xmlns:a16="http://schemas.microsoft.com/office/drawing/2014/main" val="3575106097"/>
                   </a:ext>
                 </a:extLst>
               </a:tr>
@@ -23420,7 +23367,7 @@
                 </a:tc>
                 <a:extLst>
                   <a:ext uri="{0D108BD9-81ED-4DB2-BD59-A6C34878D82A}">
-                    <a16:rowId xmlns:a16="http://schemas.microsoft.com/office/drawing/2014/main" xmlns="" val="4177379542"/>
+                    <a16:rowId xmlns:a16="http://schemas.microsoft.com/office/drawing/2014/main" val="4177379542"/>
                   </a:ext>
                 </a:extLst>
               </a:tr>
@@ -23472,7 +23419,7 @@
                 </a:tc>
                 <a:extLst>
                   <a:ext uri="{0D108BD9-81ED-4DB2-BD59-A6C34878D82A}">
-                    <a16:rowId xmlns:a16="http://schemas.microsoft.com/office/drawing/2014/main" xmlns="" val="676215402"/>
+                    <a16:rowId xmlns:a16="http://schemas.microsoft.com/office/drawing/2014/main" val="676215402"/>
                   </a:ext>
                 </a:extLst>
               </a:tr>
@@ -23524,7 +23471,7 @@
                 </a:tc>
                 <a:extLst>
                   <a:ext uri="{0D108BD9-81ED-4DB2-BD59-A6C34878D82A}">
-                    <a16:rowId xmlns:a16="http://schemas.microsoft.com/office/drawing/2014/main" xmlns="" val="1877971069"/>
+                    <a16:rowId xmlns:a16="http://schemas.microsoft.com/office/drawing/2014/main" val="1877971069"/>
                   </a:ext>
                 </a:extLst>
               </a:tr>
@@ -23583,7 +23530,7 @@
                 </a:tc>
                 <a:extLst>
                   <a:ext uri="{0D108BD9-81ED-4DB2-BD59-A6C34878D82A}">
-                    <a16:rowId xmlns:a16="http://schemas.microsoft.com/office/drawing/2014/main" xmlns="" val="2469014990"/>
+                    <a16:rowId xmlns:a16="http://schemas.microsoft.com/office/drawing/2014/main" val="2469014990"/>
                   </a:ext>
                 </a:extLst>
               </a:tr>
@@ -23851,7 +23798,7 @@
           <p:cNvPr id="5122" name="Title 1">
             <a:extLst>
               <a:ext uri="{FF2B5EF4-FFF2-40B4-BE49-F238E27FC236}">
-                <a16:creationId xmlns:a16="http://schemas.microsoft.com/office/drawing/2014/main" xmlns="" id="{2DF29706-0BF6-40D2-8B1C-3EC71B2E0102}"/>
+                <a16:creationId xmlns:a16="http://schemas.microsoft.com/office/drawing/2014/main" id="{2DF29706-0BF6-40D2-8B1C-3EC71B2E0102}"/>
               </a:ext>
             </a:extLst>
           </p:cNvPr>
@@ -24070,7 +24017,7 @@
           <p:cNvPr id="5" name="Rectangle 4">
             <a:extLst>
               <a:ext uri="{FF2B5EF4-FFF2-40B4-BE49-F238E27FC236}">
-                <a16:creationId xmlns:a16="http://schemas.microsoft.com/office/drawing/2014/main" xmlns="" id="{C1A2D2B3-A02E-453C-8F39-8DC1EDB595BC}"/>
+                <a16:creationId xmlns:a16="http://schemas.microsoft.com/office/drawing/2014/main" id="{C1A2D2B3-A02E-453C-8F39-8DC1EDB595BC}"/>
               </a:ext>
             </a:extLst>
           </p:cNvPr>
@@ -24303,11 +24250,7 @@
           <a:p>
             <a:r>
               <a:rPr lang="en-US" sz="2000" dirty="0"/>
-              <a:t>By the end of this </a:t>
-            </a:r>
-            <a:r>
-              <a:rPr lang="en-US" sz="2000" dirty="0" smtClean="0"/>
-              <a:t>Session</a:t>
+              <a:t>By the end of this Session</a:t>
             </a:r>
             <a:endParaRPr lang="en-SG" sz="2000" dirty="0"/>
           </a:p>
@@ -24363,12 +24306,8 @@
               <a:buAutoNum type="arabicPeriod"/>
             </a:pPr>
             <a:r>
-              <a:rPr lang="en-GB" sz="1800" dirty="0" smtClean="0"/>
-              <a:t>Explain </a:t>
-            </a:r>
-            <a:r>
               <a:rPr lang="en-GB" sz="1800" dirty="0"/>
-              <a:t>the operations on arrays</a:t>
+              <a:t>Explain the operations on arrays</a:t>
             </a:r>
             <a:endParaRPr lang="en-SG" sz="1800" dirty="0"/>
           </a:p>
@@ -24385,7 +24324,7 @@
           </a:p>
           <a:p>
             <a:pPr marL="0" indent="0"/>
-            <a:endParaRPr lang="en-US" altLang="en-US" dirty="0" smtClean="0">
+            <a:endParaRPr lang="en-US" altLang="en-US" dirty="0">
               <a:latin typeface="Lucida Sans" panose="020B0602030504020204" pitchFamily="34" charset="0"/>
               <a:ea typeface="ヒラギノ角ゴ Pro W3"/>
               <a:cs typeface="ヒラギノ角ゴ Pro W3"/>
@@ -24729,7 +24668,7 @@
           <p:cNvPr id="5" name="Rectangle 4">
             <a:extLst>
               <a:ext uri="{FF2B5EF4-FFF2-40B4-BE49-F238E27FC236}">
-                <a16:creationId xmlns:a16="http://schemas.microsoft.com/office/drawing/2014/main" xmlns="" id="{6537FF02-2A8E-4E51-9087-A889A405E435}"/>
+                <a16:creationId xmlns:a16="http://schemas.microsoft.com/office/drawing/2014/main" id="{6537FF02-2A8E-4E51-9087-A889A405E435}"/>
               </a:ext>
             </a:extLst>
           </p:cNvPr>
@@ -25307,7 +25246,7 @@
           <p:cNvPr id="5" name="Rectangle 4">
             <a:extLst>
               <a:ext uri="{FF2B5EF4-FFF2-40B4-BE49-F238E27FC236}">
-                <a16:creationId xmlns:a16="http://schemas.microsoft.com/office/drawing/2014/main" xmlns="" id="{6537FF02-2A8E-4E51-9087-A889A405E435}"/>
+                <a16:creationId xmlns:a16="http://schemas.microsoft.com/office/drawing/2014/main" id="{6537FF02-2A8E-4E51-9087-A889A405E435}"/>
               </a:ext>
             </a:extLst>
           </p:cNvPr>
@@ -25504,7 +25443,7 @@
           <p:cNvPr id="6" name="Rectangle 5">
             <a:extLst>
               <a:ext uri="{FF2B5EF4-FFF2-40B4-BE49-F238E27FC236}">
-                <a16:creationId xmlns:a16="http://schemas.microsoft.com/office/drawing/2014/main" xmlns="" id="{A877BBC5-9E2B-4763-8628-2D2E717AE83B}"/>
+                <a16:creationId xmlns:a16="http://schemas.microsoft.com/office/drawing/2014/main" id="{A877BBC5-9E2B-4763-8628-2D2E717AE83B}"/>
               </a:ext>
             </a:extLst>
           </p:cNvPr>
@@ -25626,7 +25565,7 @@
           <p:cNvPr id="7" name="Rectangle 6">
             <a:extLst>
               <a:ext uri="{FF2B5EF4-FFF2-40B4-BE49-F238E27FC236}">
-                <a16:creationId xmlns:a16="http://schemas.microsoft.com/office/drawing/2014/main" xmlns="" id="{B07F21C2-A600-488C-8736-9440F1624EAF}"/>
+                <a16:creationId xmlns:a16="http://schemas.microsoft.com/office/drawing/2014/main" id="{B07F21C2-A600-488C-8736-9440F1624EAF}"/>
               </a:ext>
             </a:extLst>
           </p:cNvPr>
@@ -25916,7 +25855,7 @@
           <p:cNvPr id="8" name="Rectangle 7">
             <a:extLst>
               <a:ext uri="{FF2B5EF4-FFF2-40B4-BE49-F238E27FC236}">
-                <a16:creationId xmlns:a16="http://schemas.microsoft.com/office/drawing/2014/main" xmlns="" id="{998EE298-E138-4FFC-949B-2CF50CC94AC8}"/>
+                <a16:creationId xmlns:a16="http://schemas.microsoft.com/office/drawing/2014/main" id="{998EE298-E138-4FFC-949B-2CF50CC94AC8}"/>
               </a:ext>
             </a:extLst>
           </p:cNvPr>
@@ -26268,7 +26207,7 @@
           <p:cNvPr id="5" name="Rectangle 4">
             <a:extLst>
               <a:ext uri="{FF2B5EF4-FFF2-40B4-BE49-F238E27FC236}">
-                <a16:creationId xmlns:a16="http://schemas.microsoft.com/office/drawing/2014/main" xmlns="" id="{6537FF02-2A8E-4E51-9087-A889A405E435}"/>
+                <a16:creationId xmlns:a16="http://schemas.microsoft.com/office/drawing/2014/main" id="{6537FF02-2A8E-4E51-9087-A889A405E435}"/>
               </a:ext>
             </a:extLst>
           </p:cNvPr>
@@ -26935,7 +26874,7 @@
           <p:cNvPr id="5" name="Rectangle 4">
             <a:extLst>
               <a:ext uri="{FF2B5EF4-FFF2-40B4-BE49-F238E27FC236}">
-                <a16:creationId xmlns:a16="http://schemas.microsoft.com/office/drawing/2014/main" xmlns="" id="{6537FF02-2A8E-4E51-9087-A889A405E435}"/>
+                <a16:creationId xmlns:a16="http://schemas.microsoft.com/office/drawing/2014/main" id="{6537FF02-2A8E-4E51-9087-A889A405E435}"/>
               </a:ext>
             </a:extLst>
           </p:cNvPr>
@@ -27848,7 +27787,7 @@
           <p:cNvPr id="2" name="Title 1">
             <a:extLst>
               <a:ext uri="{FF2B5EF4-FFF2-40B4-BE49-F238E27FC236}">
-                <a16:creationId xmlns:a16="http://schemas.microsoft.com/office/drawing/2014/main" xmlns="" id="{344F3EA4-3F28-4BD5-A8B1-5992ED3EADE0}"/>
+                <a16:creationId xmlns:a16="http://schemas.microsoft.com/office/drawing/2014/main" id="{344F3EA4-3F28-4BD5-A8B1-5992ED3EADE0}"/>
               </a:ext>
             </a:extLst>
           </p:cNvPr>
@@ -27914,13 +27853,6 @@
                 <a:cs typeface="Lucida Sans" panose="020B0602040502020204" pitchFamily="34" charset="0"/>
               </a:rPr>
             </a:br>
-            <a:r>
-              <a:rPr lang="en-US" altLang="en-US" sz="2400" dirty="0">
-                <a:ea typeface="ヒラギノ角ゴ Pro W3"/>
-                <a:cs typeface="Lucida Sans" panose="020B0602040502020204" pitchFamily="34" charset="0"/>
-              </a:rPr>
-              <a:t/>
-            </a:r>
             <a:br>
               <a:rPr lang="en-US" altLang="en-US" sz="2400" dirty="0">
                 <a:ea typeface="ヒラギノ角ゴ Pro W3"/>
@@ -27975,7 +27907,7 @@
           <p:cNvPr id="5122" name="Title 1">
             <a:extLst>
               <a:ext uri="{FF2B5EF4-FFF2-40B4-BE49-F238E27FC236}">
-                <a16:creationId xmlns:a16="http://schemas.microsoft.com/office/drawing/2014/main" xmlns="" id="{2DF29706-0BF6-40D2-8B1C-3EC71B2E0102}"/>
+                <a16:creationId xmlns:a16="http://schemas.microsoft.com/office/drawing/2014/main" id="{2DF29706-0BF6-40D2-8B1C-3EC71B2E0102}"/>
               </a:ext>
             </a:extLst>
           </p:cNvPr>
@@ -28351,7 +28283,7 @@
           <p:cNvPr id="6" name="Rectangle 5">
             <a:extLst>
               <a:ext uri="{FF2B5EF4-FFF2-40B4-BE49-F238E27FC236}">
-                <a16:creationId xmlns:a16="http://schemas.microsoft.com/office/drawing/2014/main" xmlns="" id="{0C8A0145-9507-40EB-8857-6B5225CD7849}"/>
+                <a16:creationId xmlns:a16="http://schemas.microsoft.com/office/drawing/2014/main" id="{0C8A0145-9507-40EB-8857-6B5225CD7849}"/>
               </a:ext>
             </a:extLst>
           </p:cNvPr>
@@ -28420,7 +28352,7 @@
           <p:cNvPr id="7" name="Picture 6">
             <a:extLst>
               <a:ext uri="{FF2B5EF4-FFF2-40B4-BE49-F238E27FC236}">
-                <a16:creationId xmlns:a16="http://schemas.microsoft.com/office/drawing/2014/main" xmlns="" id="{2D25E367-1E29-47A4-8E49-D4DAAC32E5B2}"/>
+                <a16:creationId xmlns:a16="http://schemas.microsoft.com/office/drawing/2014/main" id="{2D25E367-1E29-47A4-8E49-D4DAAC32E5B2}"/>
               </a:ext>
             </a:extLst>
           </p:cNvPr>
@@ -28457,7 +28389,7 @@
           <p:cNvPr id="8" name="Picture 7">
             <a:extLst>
               <a:ext uri="{FF2B5EF4-FFF2-40B4-BE49-F238E27FC236}">
-                <a16:creationId xmlns:a16="http://schemas.microsoft.com/office/drawing/2014/main" xmlns="" id="{958ED51C-1872-49A2-8DFA-05946471721C}"/>
+                <a16:creationId xmlns:a16="http://schemas.microsoft.com/office/drawing/2014/main" id="{958ED51C-1872-49A2-8DFA-05946471721C}"/>
               </a:ext>
             </a:extLst>
           </p:cNvPr>
@@ -28629,7 +28561,7 @@
           <p:cNvPr id="5" name="Rectangle 4">
             <a:extLst>
               <a:ext uri="{FF2B5EF4-FFF2-40B4-BE49-F238E27FC236}">
-                <a16:creationId xmlns:a16="http://schemas.microsoft.com/office/drawing/2014/main" xmlns="" id="{53692D2F-271C-4F18-BD2C-EB3374064A22}"/>
+                <a16:creationId xmlns:a16="http://schemas.microsoft.com/office/drawing/2014/main" id="{53692D2F-271C-4F18-BD2C-EB3374064A22}"/>
               </a:ext>
             </a:extLst>
           </p:cNvPr>
@@ -28702,7 +28634,7 @@
           <p:cNvPr id="6" name="Rectangle 5">
             <a:extLst>
               <a:ext uri="{FF2B5EF4-FFF2-40B4-BE49-F238E27FC236}">
-                <a16:creationId xmlns:a16="http://schemas.microsoft.com/office/drawing/2014/main" xmlns="" id="{98BD4FF7-847E-4A3A-858D-F44A87AA44B1}"/>
+                <a16:creationId xmlns:a16="http://schemas.microsoft.com/office/drawing/2014/main" id="{98BD4FF7-847E-4A3A-858D-F44A87AA44B1}"/>
               </a:ext>
             </a:extLst>
           </p:cNvPr>
@@ -28765,7 +28697,7 @@
           <p:cNvPr id="7" name="Picture 6">
             <a:extLst>
               <a:ext uri="{FF2B5EF4-FFF2-40B4-BE49-F238E27FC236}">
-                <a16:creationId xmlns:a16="http://schemas.microsoft.com/office/drawing/2014/main" xmlns="" id="{223B7370-F936-4813-8F7D-311ACA144DB5}"/>
+                <a16:creationId xmlns:a16="http://schemas.microsoft.com/office/drawing/2014/main" id="{223B7370-F936-4813-8F7D-311ACA144DB5}"/>
               </a:ext>
             </a:extLst>
           </p:cNvPr>
@@ -28925,7 +28857,7 @@
           <p:cNvPr id="8" name="Picture 7">
             <a:extLst>
               <a:ext uri="{FF2B5EF4-FFF2-40B4-BE49-F238E27FC236}">
-                <a16:creationId xmlns:a16="http://schemas.microsoft.com/office/drawing/2014/main" xmlns="" id="{4C3112C4-4057-427C-9A5A-F2D7DA5EA0C6}"/>
+                <a16:creationId xmlns:a16="http://schemas.microsoft.com/office/drawing/2014/main" id="{4C3112C4-4057-427C-9A5A-F2D7DA5EA0C6}"/>
               </a:ext>
             </a:extLst>
           </p:cNvPr>
@@ -28964,7 +28896,7 @@
             <a:tailEnd type="none" w="med" len="med"/>
             <a:extLst>
               <a:ext uri="{C807C97D-BFC1-408E-A445-0C87EB9F89A2}">
-                <ask:lineSketchStyleProps xmlns:ask="http://schemas.microsoft.com/office/drawing/2018/sketchyshapes" xmlns="" sd="0">
+                <ask:lineSketchStyleProps xmlns:ask="http://schemas.microsoft.com/office/drawing/2018/sketchyshapes" sd="0">
                   <a:custGeom>
                     <a:avLst/>
                     <a:gdLst/>
@@ -28990,7 +28922,7 @@
           <p:cNvPr id="5" name="Group 4">
             <a:extLst>
               <a:ext uri="{FF2B5EF4-FFF2-40B4-BE49-F238E27FC236}">
-                <a16:creationId xmlns:a16="http://schemas.microsoft.com/office/drawing/2014/main" xmlns="" id="{5C48D408-18DF-4607-9ACA-DBE389413EDA}"/>
+                <a16:creationId xmlns:a16="http://schemas.microsoft.com/office/drawing/2014/main" id="{5C48D408-18DF-4607-9ACA-DBE389413EDA}"/>
               </a:ext>
             </a:extLst>
           </p:cNvPr>
@@ -29010,7 +28942,7 @@
             <p:cNvPr id="9" name="Picture 8">
               <a:extLst>
                 <a:ext uri="{FF2B5EF4-FFF2-40B4-BE49-F238E27FC236}">
-                  <a16:creationId xmlns:a16="http://schemas.microsoft.com/office/drawing/2014/main" xmlns="" id="{D21709F9-190C-462F-9AF6-E72D2015B847}"/>
+                  <a16:creationId xmlns:a16="http://schemas.microsoft.com/office/drawing/2014/main" id="{D21709F9-190C-462F-9AF6-E72D2015B847}"/>
                 </a:ext>
               </a:extLst>
             </p:cNvPr>
@@ -29051,7 +28983,7 @@
             <p:cNvPr id="10" name="Oval 9">
               <a:extLst>
                 <a:ext uri="{FF2B5EF4-FFF2-40B4-BE49-F238E27FC236}">
-                  <a16:creationId xmlns:a16="http://schemas.microsoft.com/office/drawing/2014/main" xmlns="" id="{173AEEE8-F459-4163-85B3-92886A9460E6}"/>
+                  <a16:creationId xmlns:a16="http://schemas.microsoft.com/office/drawing/2014/main" id="{173AEEE8-F459-4163-85B3-92886A9460E6}"/>
                 </a:ext>
               </a:extLst>
             </p:cNvPr>
@@ -31525,15 +31457,6 @@
 </file>
 
 <file path=customXml/item1.xml><?xml version="1.0" encoding="utf-8"?>
-<?mso-contentType ?>
-<FormTemplates xmlns="http://schemas.microsoft.com/sharepoint/v3/contenttype/forms">
-  <Display>DocumentLibraryForm</Display>
-  <Edit>DocumentLibraryForm</Edit>
-  <New>DocumentLibraryForm</New>
-</FormTemplates>
-</file>
-
-<file path=customXml/item2.xml><?xml version="1.0" encoding="utf-8"?>
 <ct:contentTypeSchema xmlns:ct="http://schemas.microsoft.com/office/2006/metadata/contentType" xmlns:ma="http://schemas.microsoft.com/office/2006/metadata/properties/metaAttributes" ct:_="" ma:_="" ma:contentTypeName="Document" ma:contentTypeID="0x010100606A1258361F104792B87D967037D439" ma:contentTypeVersion="0" ma:contentTypeDescription="Create a new document." ma:contentTypeScope="" ma:versionID="72d9905301751e4347c9ddc8332f4b8d">
   <xsd:schema xmlns:xsd="http://www.w3.org/2001/XMLSchema" xmlns:p="http://schemas.microsoft.com/office/2006/metadata/properties" targetNamespace="http://schemas.microsoft.com/office/2006/metadata/properties" ma:root="true" ma:fieldsID="4aeb20c0e3442673af7ee10786458764">
     <xsd:element name="properties">
@@ -31582,6 +31505,15 @@
 </ct:contentTypeSchema>
 </file>
 
+<file path=customXml/item2.xml><?xml version="1.0" encoding="utf-8"?>
+<?mso-contentType ?>
+<FormTemplates xmlns="http://schemas.microsoft.com/sharepoint/v3/contenttype/forms">
+  <Display>DocumentLibraryForm</Display>
+  <Edit>DocumentLibraryForm</Edit>
+  <New>DocumentLibraryForm</New>
+</FormTemplates>
+</file>
+
 <file path=customXml/item3.xml><?xml version="1.0" encoding="utf-8"?>
 <p:properties xmlns:p="http://schemas.microsoft.com/office/2006/metadata/properties" xmlns:xsi="http://www.w3.org/2001/XMLSchema-instance">
   <documentManagement/>
@@ -31589,14 +31521,6 @@
 </file>
 
 <file path=customXml/itemProps1.xml><?xml version="1.0" encoding="utf-8"?>
-<ds:datastoreItem xmlns:ds="http://schemas.openxmlformats.org/officeDocument/2006/customXml" ds:itemID="{A8AED1B3-2F45-4762-91FA-ED08F295B52E}">
-  <ds:schemaRefs>
-    <ds:schemaRef ds:uri="http://schemas.microsoft.com/sharepoint/v3/contenttype/forms"/>
-  </ds:schemaRefs>
-</ds:datastoreItem>
-</file>
-
-<file path=customXml/itemProps2.xml><?xml version="1.0" encoding="utf-8"?>
 <ds:datastoreItem xmlns:ds="http://schemas.openxmlformats.org/officeDocument/2006/customXml" ds:itemID="{F223B4EA-C447-40BA-B202-65C188424725}">
   <ds:schemaRefs>
     <ds:schemaRef ds:uri="http://schemas.microsoft.com/office/2006/metadata/contentType"/>
@@ -31607,6 +31531,14 @@
     <ds:schemaRef ds:uri="http://purl.org/dc/elements/1.1/"/>
     <ds:schemaRef ds:uri="http://purl.org/dc/terms/"/>
     <ds:schemaRef ds:uri="http://schemas.microsoft.com/office/internal/2005/internalDocumentation"/>
+  </ds:schemaRefs>
+</ds:datastoreItem>
+</file>
+
+<file path=customXml/itemProps2.xml><?xml version="1.0" encoding="utf-8"?>
+<ds:datastoreItem xmlns:ds="http://schemas.openxmlformats.org/officeDocument/2006/customXml" ds:itemID="{A8AED1B3-2F45-4762-91FA-ED08F295B52E}">
+  <ds:schemaRefs>
+    <ds:schemaRef ds:uri="http://schemas.microsoft.com/sharepoint/v3/contenttype/forms"/>
   </ds:schemaRefs>
 </ds:datastoreItem>
 </file>

--- a/SuSS/ANL252_Python_4_Biz/3_Lecturer/Lecture_3/ANL252_SU3_Jul2021 (MK edits).pptx
+++ b/SuSS/ANL252_Python_4_Biz/3_Lecturer/Lecture_3/ANL252_SU3_Jul2021 (MK edits).pptx
@@ -18354,7 +18354,7 @@
           <p:nvPr>
             <p:extLst>
               <p:ext uri="{D42A27DB-BD31-4B8C-83A1-F6EECF244321}">
-                <p14:modId xmlns:p14="http://schemas.microsoft.com/office/powerpoint/2010/main" val="77513760"/>
+                <p14:modId xmlns:p14="http://schemas.microsoft.com/office/powerpoint/2010/main" val="2818680961"/>
               </p:ext>
             </p:extLst>
           </p:nvPr>
@@ -18482,7 +18482,13 @@
                       <a:endParaRPr lang="en-SG" dirty="0"/>
                     </a:p>
                   </a:txBody>
-                  <a:tcPr anchor="ctr"/>
+                  <a:tcPr anchor="ctr">
+                    <a:solidFill>
+                      <a:schemeClr val="bg1">
+                        <a:lumMod val="50000"/>
+                      </a:schemeClr>
+                    </a:solidFill>
+                  </a:tcPr>
                 </a:tc>
                 <a:tc>
                   <a:txBody>
@@ -18497,7 +18503,13 @@
                       <a:endParaRPr lang="en-SG" dirty="0"/>
                     </a:p>
                   </a:txBody>
-                  <a:tcPr anchor="ctr"/>
+                  <a:tcPr anchor="ctr">
+                    <a:solidFill>
+                      <a:schemeClr val="bg1">
+                        <a:lumMod val="50000"/>
+                      </a:schemeClr>
+                    </a:solidFill>
+                  </a:tcPr>
                 </a:tc>
                 <a:tc>
                   <a:txBody>
@@ -18512,7 +18524,13 @@
                       <a:endParaRPr lang="en-SG" dirty="0"/>
                     </a:p>
                   </a:txBody>
-                  <a:tcPr anchor="ctr"/>
+                  <a:tcPr anchor="ctr">
+                    <a:solidFill>
+                      <a:schemeClr val="bg1">
+                        <a:lumMod val="50000"/>
+                      </a:schemeClr>
+                    </a:solidFill>
+                  </a:tcPr>
                 </a:tc>
                 <a:tc>
                   <a:txBody>
@@ -18531,7 +18549,13 @@
                       <a:endParaRPr lang="en-SG" dirty="0"/>
                     </a:p>
                   </a:txBody>
-                  <a:tcPr anchor="ctr"/>
+                  <a:tcPr anchor="ctr">
+                    <a:solidFill>
+                      <a:schemeClr val="bg1">
+                        <a:lumMod val="50000"/>
+                      </a:schemeClr>
+                    </a:solidFill>
+                  </a:tcPr>
                 </a:tc>
                 <a:extLst>
                   <a:ext uri="{0D108BD9-81ED-4DB2-BD59-A6C34878D82A}">
@@ -18552,7 +18576,13 @@
                       <a:endParaRPr lang="en-SG" dirty="0"/>
                     </a:p>
                   </a:txBody>
-                  <a:tcPr anchor="ctr"/>
+                  <a:tcPr anchor="ctr">
+                    <a:solidFill>
+                      <a:schemeClr val="bg1">
+                        <a:lumMod val="50000"/>
+                      </a:schemeClr>
+                    </a:solidFill>
+                  </a:tcPr>
                 </a:tc>
                 <a:tc>
                   <a:txBody>
@@ -18567,7 +18597,13 @@
                       <a:endParaRPr lang="en-SG" dirty="0"/>
                     </a:p>
                   </a:txBody>
-                  <a:tcPr anchor="ctr"/>
+                  <a:tcPr anchor="ctr">
+                    <a:solidFill>
+                      <a:schemeClr val="bg1">
+                        <a:lumMod val="50000"/>
+                      </a:schemeClr>
+                    </a:solidFill>
+                  </a:tcPr>
                 </a:tc>
                 <a:tc>
                   <a:txBody>
@@ -18586,7 +18622,13 @@
                       <a:endParaRPr lang="en-SG" dirty="0"/>
                     </a:p>
                   </a:txBody>
-                  <a:tcPr anchor="ctr"/>
+                  <a:tcPr anchor="ctr">
+                    <a:solidFill>
+                      <a:schemeClr val="bg1">
+                        <a:lumMod val="50000"/>
+                      </a:schemeClr>
+                    </a:solidFill>
+                  </a:tcPr>
                 </a:tc>
                 <a:tc>
                   <a:txBody>
@@ -18601,7 +18643,13 @@
                       <a:endParaRPr lang="en-SG" dirty="0"/>
                     </a:p>
                   </a:txBody>
-                  <a:tcPr anchor="ctr"/>
+                  <a:tcPr anchor="ctr">
+                    <a:solidFill>
+                      <a:schemeClr val="bg1">
+                        <a:lumMod val="50000"/>
+                      </a:schemeClr>
+                    </a:solidFill>
+                  </a:tcPr>
                 </a:tc>
                 <a:extLst>
                   <a:ext uri="{0D108BD9-81ED-4DB2-BD59-A6C34878D82A}">
@@ -27853,6 +27901,13 @@
                 <a:cs typeface="Lucida Sans" panose="020B0602040502020204" pitchFamily="34" charset="0"/>
               </a:rPr>
             </a:br>
+            <a:r>
+              <a:rPr lang="en-US" altLang="en-US" sz="2400" dirty="0">
+                <a:ea typeface="ヒラギノ角ゴ Pro W3"/>
+                <a:cs typeface="Lucida Sans" panose="020B0602040502020204" pitchFamily="34" charset="0"/>
+              </a:rPr>
+              <a:t/>
+            </a:r>
             <a:br>
               <a:rPr lang="en-US" altLang="en-US" sz="2400" dirty="0">
                 <a:ea typeface="ヒラギノ角ゴ Pro W3"/>
@@ -28896,7 +28951,7 @@
             <a:tailEnd type="none" w="med" len="med"/>
             <a:extLst>
               <a:ext uri="{C807C97D-BFC1-408E-A445-0C87EB9F89A2}">
-                <ask:lineSketchStyleProps xmlns:ask="http://schemas.microsoft.com/office/drawing/2018/sketchyshapes" sd="0">
+                <ask:lineSketchStyleProps xmlns:ask="http://schemas.microsoft.com/office/drawing/2018/sketchyshapes" xmlns="" sd="0">
                   <a:custGeom>
                     <a:avLst/>
                     <a:gdLst/>
@@ -31457,6 +31512,21 @@
 </file>
 
 <file path=customXml/item1.xml><?xml version="1.0" encoding="utf-8"?>
+<?mso-contentType ?>
+<FormTemplates xmlns="http://schemas.microsoft.com/sharepoint/v3/contenttype/forms">
+  <Display>DocumentLibraryForm</Display>
+  <Edit>DocumentLibraryForm</Edit>
+  <New>DocumentLibraryForm</New>
+</FormTemplates>
+</file>
+
+<file path=customXml/item2.xml><?xml version="1.0" encoding="utf-8"?>
+<p:properties xmlns:p="http://schemas.microsoft.com/office/2006/metadata/properties" xmlns:xsi="http://www.w3.org/2001/XMLSchema-instance">
+  <documentManagement/>
+</p:properties>
+</file>
+
+<file path=customXml/item3.xml><?xml version="1.0" encoding="utf-8"?>
 <ct:contentTypeSchema xmlns:ct="http://schemas.microsoft.com/office/2006/metadata/contentType" xmlns:ma="http://schemas.microsoft.com/office/2006/metadata/properties/metaAttributes" ct:_="" ma:_="" ma:contentTypeName="Document" ma:contentTypeID="0x010100606A1258361F104792B87D967037D439" ma:contentTypeVersion="0" ma:contentTypeDescription="Create a new document." ma:contentTypeScope="" ma:versionID="72d9905301751e4347c9ddc8332f4b8d">
   <xsd:schema xmlns:xsd="http://www.w3.org/2001/XMLSchema" xmlns:p="http://schemas.microsoft.com/office/2006/metadata/properties" targetNamespace="http://schemas.microsoft.com/office/2006/metadata/properties" ma:root="true" ma:fieldsID="4aeb20c0e3442673af7ee10786458764">
     <xsd:element name="properties">
@@ -31505,22 +31575,29 @@
 </ct:contentTypeSchema>
 </file>
 
-<file path=customXml/item2.xml><?xml version="1.0" encoding="utf-8"?>
-<?mso-contentType ?>
-<FormTemplates xmlns="http://schemas.microsoft.com/sharepoint/v3/contenttype/forms">
-  <Display>DocumentLibraryForm</Display>
-  <Edit>DocumentLibraryForm</Edit>
-  <New>DocumentLibraryForm</New>
-</FormTemplates>
+<file path=customXml/itemProps1.xml><?xml version="1.0" encoding="utf-8"?>
+<ds:datastoreItem xmlns:ds="http://schemas.openxmlformats.org/officeDocument/2006/customXml" ds:itemID="{A8AED1B3-2F45-4762-91FA-ED08F295B52E}">
+  <ds:schemaRefs>
+    <ds:schemaRef ds:uri="http://schemas.microsoft.com/sharepoint/v3/contenttype/forms"/>
+  </ds:schemaRefs>
+</ds:datastoreItem>
 </file>
 
-<file path=customXml/item3.xml><?xml version="1.0" encoding="utf-8"?>
-<p:properties xmlns:p="http://schemas.microsoft.com/office/2006/metadata/properties" xmlns:xsi="http://www.w3.org/2001/XMLSchema-instance">
-  <documentManagement/>
-</p:properties>
+<file path=customXml/itemProps2.xml><?xml version="1.0" encoding="utf-8"?>
+<ds:datastoreItem xmlns:ds="http://schemas.openxmlformats.org/officeDocument/2006/customXml" ds:itemID="{50BC6695-9009-4E8C-96D7-2BD9B437109A}">
+  <ds:schemaRefs>
+    <ds:schemaRef ds:uri="http://schemas.microsoft.com/office/2006/metadata/properties"/>
+    <ds:schemaRef ds:uri="http://purl.org/dc/terms/"/>
+    <ds:schemaRef ds:uri="http://schemas.openxmlformats.org/package/2006/metadata/core-properties"/>
+    <ds:schemaRef ds:uri="http://schemas.microsoft.com/office/2006/documentManagement/types"/>
+    <ds:schemaRef ds:uri="http://purl.org/dc/elements/1.1/"/>
+    <ds:schemaRef ds:uri="http://www.w3.org/XML/1998/namespace"/>
+    <ds:schemaRef ds:uri="http://purl.org/dc/dcmitype/"/>
+  </ds:schemaRefs>
+</ds:datastoreItem>
 </file>
 
-<file path=customXml/itemProps1.xml><?xml version="1.0" encoding="utf-8"?>
+<file path=customXml/itemProps3.xml><?xml version="1.0" encoding="utf-8"?>
 <ds:datastoreItem xmlns:ds="http://schemas.openxmlformats.org/officeDocument/2006/customXml" ds:itemID="{F223B4EA-C447-40BA-B202-65C188424725}">
   <ds:schemaRefs>
     <ds:schemaRef ds:uri="http://schemas.microsoft.com/office/2006/metadata/contentType"/>
@@ -31533,26 +31610,4 @@
     <ds:schemaRef ds:uri="http://schemas.microsoft.com/office/internal/2005/internalDocumentation"/>
   </ds:schemaRefs>
 </ds:datastoreItem>
-</file>
-
-<file path=customXml/itemProps2.xml><?xml version="1.0" encoding="utf-8"?>
-<ds:datastoreItem xmlns:ds="http://schemas.openxmlformats.org/officeDocument/2006/customXml" ds:itemID="{A8AED1B3-2F45-4762-91FA-ED08F295B52E}">
-  <ds:schemaRefs>
-    <ds:schemaRef ds:uri="http://schemas.microsoft.com/sharepoint/v3/contenttype/forms"/>
-  </ds:schemaRefs>
-</ds:datastoreItem>
-</file>
-
-<file path=customXml/itemProps3.xml><?xml version="1.0" encoding="utf-8"?>
-<ds:datastoreItem xmlns:ds="http://schemas.openxmlformats.org/officeDocument/2006/customXml" ds:itemID="{50BC6695-9009-4E8C-96D7-2BD9B437109A}">
-  <ds:schemaRefs>
-    <ds:schemaRef ds:uri="http://schemas.microsoft.com/office/2006/metadata/properties"/>
-    <ds:schemaRef ds:uri="http://purl.org/dc/terms/"/>
-    <ds:schemaRef ds:uri="http://schemas.openxmlformats.org/package/2006/metadata/core-properties"/>
-    <ds:schemaRef ds:uri="http://schemas.microsoft.com/office/2006/documentManagement/types"/>
-    <ds:schemaRef ds:uri="http://purl.org/dc/elements/1.1/"/>
-    <ds:schemaRef ds:uri="http://www.w3.org/XML/1998/namespace"/>
-    <ds:schemaRef ds:uri="http://purl.org/dc/dcmitype/"/>
-  </ds:schemaRefs>
-</ds:datastoreItem>
 </file>